--- a/Projektmunka.pptx
+++ b/Projektmunka.pptx
@@ -212,7 +212,7 @@
             <a:pPr rtl="0"/>
             <a:fld id="{79328C74-2DD9-4CFD-934B-3DF3C1DDE5FC}" type="datetime1">
               <a:rPr lang="hu-HU" smtClean="0"/>
-              <a:t>2026. 02. 24.</a:t>
+              <a:t>2026.02.25.</a:t>
             </a:fld>
             <a:endParaRPr lang="en-US" dirty="0"/>
           </a:p>
@@ -382,7 +382,7 @@
             <a:pPr rtl="0"/>
             <a:fld id="{41F517D8-72C6-4C72-9062-09CA35D1D6EA}" type="datetime1">
               <a:rPr lang="hu-HU" smtClean="0"/>
-              <a:t>2026. 02. 24.</a:t>
+              <a:t>2026.02.25.</a:t>
             </a:fld>
             <a:endParaRPr lang="en-US"/>
           </a:p>
@@ -843,7 +843,7 @@
             <a:pPr rtl="0"/>
             <a:fld id="{8D06F676-C664-4C85-930F-9B6130AE0859}" type="datetime1">
               <a:rPr lang="hu-HU" smtClean="0"/>
-              <a:t>2026. 02. 24.</a:t>
+              <a:t>2026.02.25.</a:t>
             </a:fld>
             <a:endParaRPr lang="en-US" dirty="0"/>
           </a:p>
@@ -1153,7 +1153,7 @@
             <a:pPr rtl="0"/>
             <a:fld id="{DFA9AE65-3357-474A-9E41-D5D48A22CB46}" type="datetime1">
               <a:rPr lang="hu-HU" smtClean="0"/>
-              <a:t>2026. 02. 24.</a:t>
+              <a:t>2026.02.25.</a:t>
             </a:fld>
             <a:endParaRPr lang="en-US" dirty="0"/>
           </a:p>
@@ -1351,7 +1351,7 @@
             <a:pPr rtl="0"/>
             <a:fld id="{15DEE93C-3C2D-4E26-B2EB-AA9505384E6D}" type="datetime1">
               <a:rPr lang="hu-HU" smtClean="0"/>
-              <a:t>2026. 02. 24.</a:t>
+              <a:t>2026.02.25.</a:t>
             </a:fld>
             <a:endParaRPr lang="en-US" dirty="0"/>
           </a:p>
@@ -1618,7 +1618,7 @@
             <a:pPr rtl="0"/>
             <a:fld id="{90F0F59D-97DE-494E-8C3C-171907D39773}" type="datetime1">
               <a:rPr lang="hu-HU" smtClean="0"/>
-              <a:t>2026. 02. 24.</a:t>
+              <a:t>2026.02.25.</a:t>
             </a:fld>
             <a:endParaRPr lang="en-US" dirty="0"/>
           </a:p>
@@ -2058,7 +2058,7 @@
             <a:pPr rtl="0"/>
             <a:fld id="{7A0696A8-D711-4B65-A653-8621AA7D08B1}" type="datetime1">
               <a:rPr lang="hu-HU" smtClean="0"/>
-              <a:t>2026. 02. 24.</a:t>
+              <a:t>2026.02.25.</a:t>
             </a:fld>
             <a:endParaRPr lang="en-US" dirty="0"/>
           </a:p>
@@ -2599,7 +2599,7 @@
             <a:pPr rtl="0"/>
             <a:fld id="{8AA05328-906A-4574-A2A4-9142E7EEB0D7}" type="datetime1">
               <a:rPr lang="hu-HU" smtClean="0"/>
-              <a:t>2026. 02. 24.</a:t>
+              <a:t>2026.02.25.</a:t>
             </a:fld>
             <a:endParaRPr lang="en-US" dirty="0"/>
           </a:p>
@@ -3488,7 +3488,7 @@
             <a:pPr rtl="0"/>
             <a:fld id="{59A40F4B-C8A7-474B-9E07-0763335F9A9B}" type="datetime1">
               <a:rPr lang="hu-HU" smtClean="0"/>
-              <a:t>2026. 02. 24.</a:t>
+              <a:t>2026.02.25.</a:t>
             </a:fld>
             <a:endParaRPr lang="en-US" dirty="0"/>
           </a:p>
@@ -3662,7 +3662,7 @@
             <a:pPr rtl="0"/>
             <a:fld id="{5D886BA4-B095-4091-9B3B-1AE5660185AF}" type="datetime1">
               <a:rPr lang="hu-HU" smtClean="0"/>
-              <a:t>2026. 02. 24.</a:t>
+              <a:t>2026.02.25.</a:t>
             </a:fld>
             <a:endParaRPr lang="en-US" dirty="0"/>
           </a:p>
@@ -3850,7 +3850,7 @@
             <a:pPr rtl="0"/>
             <a:fld id="{31F4D693-9A33-46B5-8483-A655726D1E81}" type="datetime1">
               <a:rPr lang="hu-HU" smtClean="0"/>
-              <a:t>2026. 02. 24.</a:t>
+              <a:t>2026.02.25.</a:t>
             </a:fld>
             <a:endParaRPr lang="en-US" dirty="0"/>
           </a:p>
@@ -4024,7 +4024,7 @@
             <a:pPr rtl="0"/>
             <a:fld id="{CB4931A8-8288-4238-AF14-026187036AFD}" type="datetime1">
               <a:rPr lang="hu-HU" smtClean="0"/>
-              <a:t>2026. 02. 24.</a:t>
+              <a:t>2026.02.25.</a:t>
             </a:fld>
             <a:endParaRPr lang="en-US" dirty="0"/>
           </a:p>
@@ -4272,7 +4272,7 @@
             <a:pPr rtl="0"/>
             <a:fld id="{2E65F545-0511-4EE3-B36D-0AAF15A22616}" type="datetime1">
               <a:rPr lang="hu-HU" smtClean="0"/>
-              <a:t>2026. 02. 24.</a:t>
+              <a:t>2026.02.25.</a:t>
             </a:fld>
             <a:endParaRPr lang="en-US" dirty="0"/>
           </a:p>
@@ -4518,7 +4518,7 @@
             <a:pPr rtl="0"/>
             <a:fld id="{B817C899-C8BD-4743-9041-F9570303B9CC}" type="datetime1">
               <a:rPr lang="hu-HU" smtClean="0"/>
-              <a:t>2026. 02. 24.</a:t>
+              <a:t>2026.02.25.</a:t>
             </a:fld>
             <a:endParaRPr lang="en-US" dirty="0"/>
           </a:p>
@@ -5005,7 +5005,7 @@
             <a:pPr rtl="0"/>
             <a:fld id="{3E135D0D-8851-4427-86DA-5BF8C4C38E92}" type="datetime1">
               <a:rPr lang="hu-HU" smtClean="0"/>
-              <a:t>2026. 02. 24.</a:t>
+              <a:t>2026.02.25.</a:t>
             </a:fld>
             <a:endParaRPr lang="en-US" dirty="0"/>
           </a:p>
@@ -5127,7 +5127,7 @@
             <a:pPr rtl="0"/>
             <a:fld id="{1672C471-15B7-4E03-99B1-DD7965475934}" type="datetime1">
               <a:rPr lang="hu-HU" smtClean="0"/>
-              <a:t>2026. 02. 24.</a:t>
+              <a:t>2026.02.25.</a:t>
             </a:fld>
             <a:endParaRPr lang="en-US" dirty="0"/>
           </a:p>
@@ -5225,7 +5225,7 @@
             <a:pPr rtl="0"/>
             <a:fld id="{EEBA12DA-C477-4DEC-8CD5-0CC7AA2A7F95}" type="datetime1">
               <a:rPr lang="hu-HU" smtClean="0"/>
-              <a:t>2026. 02. 24.</a:t>
+              <a:t>2026.02.25.</a:t>
             </a:fld>
             <a:endParaRPr lang="en-US" dirty="0"/>
           </a:p>
@@ -5484,7 +5484,7 @@
             <a:pPr rtl="0"/>
             <a:fld id="{0996B7B2-B32F-4DDF-9894-2FACA14133E2}" type="datetime1">
               <a:rPr lang="hu-HU" smtClean="0"/>
-              <a:t>2026. 02. 24.</a:t>
+              <a:t>2026.02.25.</a:t>
             </a:fld>
             <a:endParaRPr lang="en-US" dirty="0"/>
           </a:p>
@@ -5796,7 +5796,7 @@
             <a:pPr rtl="0"/>
             <a:fld id="{C36D6D66-4270-491C-9F23-0511DE91B152}" type="datetime1">
               <a:rPr lang="hu-HU" smtClean="0"/>
-              <a:t>2026. 02. 24.</a:t>
+              <a:t>2026.02.25.</a:t>
             </a:fld>
             <a:endParaRPr lang="en-US" dirty="0"/>
           </a:p>
@@ -6034,7 +6034,7 @@
             <a:pPr rtl="0"/>
             <a:fld id="{692444B4-EEAE-4DD5-A105-FC425BF0ADF0}" type="datetime1">
               <a:rPr lang="hu-HU" smtClean="0"/>
-              <a:t>2026. 02. 24.</a:t>
+              <a:t>2026.02.25.</a:t>
             </a:fld>
             <a:endParaRPr lang="en-US" dirty="0"/>
           </a:p>
@@ -6838,8 +6838,12 @@
           <a:p>
             <a:pPr rtl="0"/>
             <a:r>
+              <a:rPr lang="hu-HU" sz="2800" dirty="0"/>
+              <a:t>R</a:t>
+            </a:r>
+            <a:r>
               <a:rPr lang="hu" sz="2800" dirty="0"/>
-              <a:t>en</a:t>
+              <a:t>óli és Kende </a:t>
             </a:r>
           </a:p>
         </p:txBody>
@@ -6933,7 +6937,7 @@
             <a:pPr rtl="0"/>
             <a:fld id="{0996B7B2-B32F-4DDF-9894-2FACA14133E2}" type="datetime1">
               <a:rPr lang="hu-HU" smtClean="0"/>
-              <a:t>2026. 02. 24.</a:t>
+              <a:t>2026.02.25.</a:t>
             </a:fld>
             <a:endParaRPr lang="en-US" dirty="0"/>
           </a:p>
@@ -7144,7 +7148,7 @@
         </p:nvSpPr>
         <p:spPr>
           <a:xfrm>
-            <a:off x="504722" y="96252"/>
+            <a:off x="412443" y="0"/>
             <a:ext cx="3706889" cy="1821918"/>
           </a:xfrm>
         </p:spPr>
@@ -7185,7 +7189,7 @@
             <a:pPr rtl="0"/>
             <a:fld id="{0996B7B2-B32F-4DDF-9894-2FACA14133E2}" type="datetime1">
               <a:rPr lang="hu-HU" smtClean="0"/>
-              <a:t>2026. 02. 24.</a:t>
+              <a:t>2026.02.25.</a:t>
             </a:fld>
             <a:endParaRPr lang="en-US" dirty="0"/>
           </a:p>
@@ -7209,8 +7213,8 @@
         </p:nvSpPr>
         <p:spPr bwMode="auto">
           <a:xfrm>
-            <a:off x="1040326" y="2759515"/>
-            <a:ext cx="3116944" cy="2073901"/>
+            <a:off x="1081723" y="2499295"/>
+            <a:ext cx="2497350" cy="2627899"/>
           </a:xfrm>
           <a:prstGeom prst="rect">
             <a:avLst/>
@@ -7258,43 +7262,143 @@
           </a:bodyPr>
           <a:lstStyle/>
           <a:p>
+            <a:pPr marL="0" marR="0" lvl="0" indent="0" algn="l" defTabSz="914400" rtl="0" eaLnBrk="0" fontAlgn="base" latinLnBrk="0" hangingPunct="0">
+              <a:lnSpc>
+                <a:spcPct val="100000"/>
+              </a:lnSpc>
+              <a:spcBef>
+                <a:spcPct val="0"/>
+              </a:spcBef>
+              <a:spcAft>
+                <a:spcPct val="0"/>
+              </a:spcAft>
+              <a:buClrTx/>
+              <a:buSzTx/>
+              <a:tabLst/>
+            </a:pPr>
+            <a:r>
+              <a:rPr lang="hu-HU" altLang="hu-HU" sz="2000" dirty="0"/>
+              <a:t>Személyes érdeklődés</a:t>
+            </a:r>
+          </a:p>
+          <a:p>
+            <a:pPr marL="0" marR="0" lvl="0" indent="0" algn="l" defTabSz="914400" rtl="0" eaLnBrk="0" fontAlgn="base" latinLnBrk="0" hangingPunct="0">
+              <a:lnSpc>
+                <a:spcPct val="100000"/>
+              </a:lnSpc>
+              <a:spcBef>
+                <a:spcPct val="0"/>
+              </a:spcBef>
+              <a:spcAft>
+                <a:spcPct val="0"/>
+              </a:spcAft>
+              <a:buClrTx/>
+              <a:buSzTx/>
+              <a:tabLst/>
+            </a:pPr>
+            <a:endParaRPr lang="hu-HU" altLang="hu-HU" sz="2000" dirty="0"/>
+          </a:p>
+          <a:p>
+            <a:pPr marL="0" marR="0" lvl="0" indent="0" algn="l" defTabSz="914400" rtl="0" eaLnBrk="0" fontAlgn="base" latinLnBrk="0" hangingPunct="0">
+              <a:lnSpc>
+                <a:spcPct val="100000"/>
+              </a:lnSpc>
+              <a:spcBef>
+                <a:spcPct val="0"/>
+              </a:spcBef>
+              <a:spcAft>
+                <a:spcPct val="0"/>
+              </a:spcAft>
+              <a:buClrTx/>
+              <a:buSzTx/>
+              <a:tabLst/>
+            </a:pPr>
+            <a:r>
+              <a:rPr lang="hu-HU" altLang="hu-HU" sz="2000" dirty="0"/>
+              <a:t>Aktuális téma</a:t>
+            </a:r>
+          </a:p>
+          <a:p>
+            <a:pPr marL="0" marR="0" lvl="0" indent="0" algn="l" defTabSz="914400" rtl="0" eaLnBrk="0" fontAlgn="base" latinLnBrk="0" hangingPunct="0">
+              <a:lnSpc>
+                <a:spcPct val="100000"/>
+              </a:lnSpc>
+              <a:spcBef>
+                <a:spcPct val="0"/>
+              </a:spcBef>
+              <a:spcAft>
+                <a:spcPct val="0"/>
+              </a:spcAft>
+              <a:buClrTx/>
+              <a:buSzTx/>
+              <a:tabLst/>
+            </a:pPr>
+            <a:endParaRPr lang="hu-HU" altLang="hu-HU" sz="2000" dirty="0"/>
+          </a:p>
+          <a:p>
+            <a:pPr marL="0" marR="0" lvl="0" indent="0" algn="l" defTabSz="914400" rtl="0" eaLnBrk="0" fontAlgn="base" latinLnBrk="0" hangingPunct="0">
+              <a:lnSpc>
+                <a:spcPct val="100000"/>
+              </a:lnSpc>
+              <a:spcBef>
+                <a:spcPct val="0"/>
+              </a:spcBef>
+              <a:spcAft>
+                <a:spcPct val="0"/>
+              </a:spcAft>
+              <a:buClrTx/>
+              <a:buSzTx/>
+              <a:tabLst/>
+            </a:pPr>
+            <a:r>
+              <a:rPr lang="hu-HU" altLang="hu-HU" sz="2000" dirty="0"/>
+              <a:t>Releváns probléma</a:t>
+            </a:r>
+          </a:p>
+          <a:p>
+            <a:pPr marL="0" marR="0" lvl="0" indent="0" algn="l" defTabSz="914400" rtl="0" eaLnBrk="0" fontAlgn="base" latinLnBrk="0" hangingPunct="0">
+              <a:lnSpc>
+                <a:spcPct val="100000"/>
+              </a:lnSpc>
+              <a:spcBef>
+                <a:spcPct val="0"/>
+              </a:spcBef>
+              <a:spcAft>
+                <a:spcPct val="0"/>
+              </a:spcAft>
+              <a:buClrTx/>
+              <a:buSzTx/>
+              <a:tabLst/>
+            </a:pPr>
+            <a:endParaRPr lang="hu-HU" altLang="hu-HU" sz="2000" dirty="0"/>
+          </a:p>
+          <a:p>
+            <a:pPr marL="0" marR="0" lvl="0" indent="0" algn="l" defTabSz="914400" rtl="0" eaLnBrk="0" fontAlgn="base" latinLnBrk="0" hangingPunct="0">
+              <a:lnSpc>
+                <a:spcPct val="100000"/>
+              </a:lnSpc>
+              <a:spcBef>
+                <a:spcPct val="0"/>
+              </a:spcBef>
+              <a:spcAft>
+                <a:spcPct val="0"/>
+              </a:spcAft>
+              <a:buClrTx/>
+              <a:buSzTx/>
+              <a:tabLst/>
+            </a:pPr>
+            <a:r>
+              <a:rPr lang="hu-HU" altLang="hu-HU" sz="2000" dirty="0"/>
+              <a:t>Megvalósítható projekt</a:t>
+            </a:r>
+          </a:p>
+          <a:p>
             <a:pPr>
               <a:spcAft>
                 <a:spcPts val="1200"/>
               </a:spcAft>
             </a:pPr>
-            <a:r>
-              <a:rPr lang="hu-HU" sz="2000" dirty="0"/>
-              <a:t>Megbízható források keresése</a:t>
-            </a:r>
-          </a:p>
-          <a:p>
-            <a:pPr>
-              <a:spcAft>
-                <a:spcPts val="1200"/>
-              </a:spcAft>
-            </a:pPr>
-            <a:r>
-              <a:rPr lang="hu-HU" sz="2000" dirty="0"/>
-              <a:t>Könyvek, cikkek feldolgozása</a:t>
-            </a:r>
-          </a:p>
-          <a:p>
-            <a:pPr>
-              <a:spcAft>
-                <a:spcPts val="1200"/>
-              </a:spcAft>
-            </a:pPr>
-            <a:r>
-              <a:rPr lang="hu-HU" sz="2000" dirty="0"/>
-              <a:t>Interjú vagy kérdőív készítése</a:t>
-            </a:r>
-          </a:p>
-          <a:p>
-            <a:r>
-              <a:rPr lang="hu-HU" sz="2000" dirty="0"/>
-              <a:t>Lényeg kiemelése jegyzetben</a:t>
-            </a:r>
+            <a:endParaRPr lang="hu-HU" sz="2000" dirty="0"/>
           </a:p>
         </p:txBody>
       </p:sp>
@@ -7414,60 +7518,6 @@
       </p:sp>
       <p:sp>
         <p:nvSpPr>
-          <p:cNvPr id="4" name="Szöveg helye 3">
-            <a:extLst>
-              <a:ext uri="{FF2B5EF4-FFF2-40B4-BE49-F238E27FC236}">
-                <a16:creationId xmlns:a16="http://schemas.microsoft.com/office/drawing/2014/main" id="{40A948FB-D3EA-23CE-A248-A55D5B6642B5}"/>
-              </a:ext>
-            </a:extLst>
-          </p:cNvPr>
-          <p:cNvSpPr>
-            <a:spLocks noGrp="1"/>
-          </p:cNvSpPr>
-          <p:nvPr>
-            <p:ph type="body" sz="half" idx="2"/>
-          </p:nvPr>
-        </p:nvSpPr>
-        <p:spPr>
-          <a:xfrm>
-            <a:off x="617016" y="2593141"/>
-            <a:ext cx="3706889" cy="3016250"/>
-          </a:xfrm>
-        </p:spPr>
-        <p:txBody>
-          <a:bodyPr/>
-          <a:lstStyle/>
-          <a:p>
-            <a:r>
-              <a:rPr lang="hu-HU" sz="2000" dirty="0"/>
-              <a:t>Megbízható források keresése</a:t>
-            </a:r>
-          </a:p>
-          <a:p>
-            <a:r>
-              <a:rPr lang="hu-HU" sz="2000" dirty="0"/>
-              <a:t>Könyvek, cikkek feldolgozása</a:t>
-            </a:r>
-          </a:p>
-          <a:p>
-            <a:r>
-              <a:rPr lang="hu-HU" sz="2000" dirty="0"/>
-              <a:t>Interjú vagy kérdőív készítése</a:t>
-            </a:r>
-          </a:p>
-          <a:p>
-            <a:r>
-              <a:rPr lang="hu-HU" sz="2000" dirty="0"/>
-              <a:t>Lényeg kiemelése jegyzetben</a:t>
-            </a:r>
-          </a:p>
-          <a:p>
-            <a:endParaRPr lang="hu-HU" dirty="0"/>
-          </a:p>
-        </p:txBody>
-      </p:sp>
-      <p:sp>
-        <p:nvSpPr>
           <p:cNvPr id="5" name="Dátum helye 4">
             <a:extLst>
               <a:ext uri="{FF2B5EF4-FFF2-40B4-BE49-F238E27FC236}">
@@ -7490,7 +7540,7 @@
             <a:pPr rtl="0"/>
             <a:fld id="{0996B7B2-B32F-4DDF-9894-2FACA14133E2}" type="datetime1">
               <a:rPr lang="hu-HU" smtClean="0"/>
-              <a:t>2026. 02. 24.</a:t>
+              <a:t>2026.02.25.</a:t>
             </a:fld>
             <a:endParaRPr lang="en-US" dirty="0"/>
           </a:p>
@@ -7545,6 +7595,122 @@
           </a:extLst>
         </p:spPr>
       </p:pic>
+      <p:sp>
+        <p:nvSpPr>
+          <p:cNvPr id="7" name="Rectangle 3">
+            <a:extLst>
+              <a:ext uri="{FF2B5EF4-FFF2-40B4-BE49-F238E27FC236}">
+                <a16:creationId xmlns:a16="http://schemas.microsoft.com/office/drawing/2014/main" id="{B357017A-EE46-47B2-BE4F-E80B17110D1F}"/>
+              </a:ext>
+            </a:extLst>
+          </p:cNvPr>
+          <p:cNvSpPr>
+            <a:spLocks noGrp="1" noChangeArrowheads="1"/>
+          </p:cNvSpPr>
+          <p:nvPr>
+            <p:ph type="body" sz="half" idx="2"/>
+          </p:nvPr>
+        </p:nvSpPr>
+        <p:spPr bwMode="auto">
+          <a:xfrm>
+            <a:off x="1043539" y="2577001"/>
+            <a:ext cx="2824106" cy="2073901"/>
+          </a:xfrm>
+          <a:prstGeom prst="rect">
+            <a:avLst/>
+          </a:prstGeom>
+          <a:noFill/>
+          <a:ln>
+            <a:noFill/>
+          </a:ln>
+          <a:effectLst/>
+          <a:extLst>
+            <a:ext uri="{909E8E84-426E-40DD-AFC4-6F175D3DCCD1}">
+              <a14:hiddenFill xmlns:a14="http://schemas.microsoft.com/office/drawing/2010/main">
+                <a:solidFill>
+                  <a:schemeClr val="accent1"/>
+                </a:solidFill>
+              </a14:hiddenFill>
+            </a:ext>
+            <a:ext uri="{91240B29-F687-4F45-9708-019B960494DF}">
+              <a14:hiddenLine xmlns:a14="http://schemas.microsoft.com/office/drawing/2010/main" w="9525">
+                <a:solidFill>
+                  <a:schemeClr val="tx1"/>
+                </a:solidFill>
+                <a:miter lim="800000"/>
+                <a:headEnd/>
+                <a:tailEnd/>
+              </a14:hiddenLine>
+            </a:ext>
+            <a:ext uri="{AF507438-7753-43E0-B8FC-AC1667EBCBE1}">
+              <a14:hiddenEffects xmlns:a14="http://schemas.microsoft.com/office/drawing/2010/main">
+                <a:effectLst>
+                  <a:outerShdw dist="35921" dir="2700000" algn="ctr" rotWithShape="0">
+                    <a:schemeClr val="bg2"/>
+                  </a:outerShdw>
+                </a:effectLst>
+              </a14:hiddenEffects>
+            </a:ext>
+          </a:extLst>
+        </p:spPr>
+        <p:txBody>
+          <a:bodyPr vert="horz" wrap="none" lIns="91440" tIns="45720" rIns="91440" bIns="45720" numCol="1" anchor="ctr" anchorCtr="0" compatLnSpc="1">
+            <a:prstTxWarp prst="textNoShape">
+              <a:avLst/>
+            </a:prstTxWarp>
+            <a:spAutoFit/>
+          </a:bodyPr>
+          <a:lstStyle/>
+          <a:p>
+            <a:pPr marR="0" lvl="0" algn="l" fontAlgn="base">
+              <a:spcAft>
+                <a:spcPts val="1200"/>
+              </a:spcAft>
+              <a:tabLst/>
+            </a:pPr>
+            <a:r>
+              <a:rPr lang="hu-HU" altLang="hu-HU" sz="2000" dirty="0"/>
+              <a:t>Megbízható források</a:t>
+            </a:r>
+          </a:p>
+          <a:p>
+            <a:pPr marR="0" lvl="0" algn="l" fontAlgn="base">
+              <a:spcAft>
+                <a:spcPts val="1200"/>
+              </a:spcAft>
+              <a:tabLst/>
+            </a:pPr>
+            <a:r>
+              <a:rPr lang="hu-HU" altLang="hu-HU" sz="2000" dirty="0"/>
+              <a:t>Könyvek és cikkek</a:t>
+            </a:r>
+          </a:p>
+          <a:p>
+            <a:pPr marR="0" lvl="0" algn="l" fontAlgn="base">
+              <a:spcAft>
+                <a:spcPts val="1200"/>
+              </a:spcAft>
+              <a:tabLst/>
+            </a:pPr>
+            <a:r>
+              <a:rPr lang="hu-HU" altLang="hu-HU" sz="2000" dirty="0"/>
+              <a:t>Online adatgyűjtés</a:t>
+            </a:r>
+          </a:p>
+          <a:p>
+            <a:pPr marR="0" lvl="0" algn="l" fontAlgn="base">
+              <a:spcAft>
+                <a:spcPts val="1200"/>
+              </a:spcAft>
+              <a:tabLst/>
+            </a:pPr>
+            <a:r>
+              <a:rPr lang="hu-HU" altLang="hu-HU" sz="2000" dirty="0"/>
+              <a:t>Információk rendszerezése</a:t>
+            </a:r>
+          </a:p>
+        </p:txBody>
+      </p:sp>
     </p:spTree>
     <p:extLst>
       <p:ext uri="{BB962C8B-B14F-4D97-AF65-F5344CB8AC3E}">
@@ -7693,7 +7859,7 @@
             <a:pPr rtl="0"/>
             <a:fld id="{0996B7B2-B32F-4DDF-9894-2FACA14133E2}" type="datetime1">
               <a:rPr lang="hu-HU" smtClean="0"/>
-              <a:t>2026. 02. 24.</a:t>
+              <a:t>2026.02.25.</a:t>
             </a:fld>
             <a:endParaRPr lang="en-US" dirty="0"/>
           </a:p>
@@ -7829,7 +7995,12 @@
             <p:ph type="body" sz="half" idx="2"/>
           </p:nvPr>
         </p:nvSpPr>
-        <p:spPr/>
+        <p:spPr>
+          <a:xfrm>
+            <a:off x="460789" y="2505570"/>
+            <a:ext cx="4622939" cy="3016250"/>
+          </a:xfrm>
+        </p:spPr>
         <p:txBody>
           <a:bodyPr/>
           <a:lstStyle/>
@@ -7890,7 +8061,7 @@
             <a:pPr rtl="0"/>
             <a:fld id="{0996B7B2-B32F-4DDF-9894-2FACA14133E2}" type="datetime1">
               <a:rPr lang="hu-HU" smtClean="0"/>
-              <a:t>2026. 02. 24.</a:t>
+              <a:t>2026.02.25.</a:t>
             </a:fld>
             <a:endParaRPr lang="en-US" dirty="0"/>
           </a:p>
@@ -8092,7 +8263,7 @@
             <a:pPr rtl="0"/>
             <a:fld id="{0996B7B2-B32F-4DDF-9894-2FACA14133E2}" type="datetime1">
               <a:rPr lang="hu-HU" smtClean="0"/>
-              <a:t>2026. 02. 24.</a:t>
+              <a:t>2026.02.25.</a:t>
             </a:fld>
             <a:endParaRPr lang="en-US" dirty="0"/>
           </a:p>
@@ -8289,7 +8460,7 @@
             <a:pPr rtl="0"/>
             <a:fld id="{0996B7B2-B32F-4DDF-9894-2FACA14133E2}" type="datetime1">
               <a:rPr lang="hu-HU" smtClean="0"/>
-              <a:t>2026. 02. 24.</a:t>
+              <a:t>2026.02.25.</a:t>
             </a:fld>
             <a:endParaRPr lang="en-US" dirty="0"/>
           </a:p>
